--- a/RTOS-14-Deadlocks.pptx
+++ b/RTOS-14-Deadlocks.pptx
@@ -211,7 +211,7 @@
             <a:fld id="{2ACCEA9B-715E-4B93-8B89-8788E1530A12}" type="datetimeFigureOut">
               <a:rPr lang="en-US" smtClean="0"/>
               <a:pPr/>
-              <a:t>4/16/2017</a:t>
+              <a:t>4/17/2017</a:t>
             </a:fld>
             <a:endParaRPr lang="en-US"/>
           </a:p>
@@ -659,7 +659,7 @@
             <a:fld id="{64ED5D24-8FBA-458C-9868-C5185627A5A5}" type="datetimeFigureOut">
               <a:rPr lang="en-US" smtClean="0"/>
               <a:pPr/>
-              <a:t>4/16/2017</a:t>
+              <a:t>4/17/2017</a:t>
             </a:fld>
             <a:endParaRPr lang="en-US"/>
           </a:p>
@@ -826,7 +826,7 @@
             <a:fld id="{64ED5D24-8FBA-458C-9868-C5185627A5A5}" type="datetimeFigureOut">
               <a:rPr lang="en-US" smtClean="0"/>
               <a:pPr/>
-              <a:t>4/16/2017</a:t>
+              <a:t>4/17/2017</a:t>
             </a:fld>
             <a:endParaRPr lang="en-US"/>
           </a:p>
@@ -1003,7 +1003,7 @@
             <a:fld id="{64ED5D24-8FBA-458C-9868-C5185627A5A5}" type="datetimeFigureOut">
               <a:rPr lang="en-US" smtClean="0"/>
               <a:pPr/>
-              <a:t>4/16/2017</a:t>
+              <a:t>4/17/2017</a:t>
             </a:fld>
             <a:endParaRPr lang="en-US"/>
           </a:p>
@@ -1170,7 +1170,7 @@
             <a:fld id="{64ED5D24-8FBA-458C-9868-C5185627A5A5}" type="datetimeFigureOut">
               <a:rPr lang="en-US" smtClean="0"/>
               <a:pPr/>
-              <a:t>4/16/2017</a:t>
+              <a:t>4/17/2017</a:t>
             </a:fld>
             <a:endParaRPr lang="en-US"/>
           </a:p>
@@ -1413,7 +1413,7 @@
             <a:fld id="{64ED5D24-8FBA-458C-9868-C5185627A5A5}" type="datetimeFigureOut">
               <a:rPr lang="en-US" smtClean="0"/>
               <a:pPr/>
-              <a:t>4/16/2017</a:t>
+              <a:t>4/17/2017</a:t>
             </a:fld>
             <a:endParaRPr lang="en-US"/>
           </a:p>
@@ -1698,7 +1698,7 @@
             <a:fld id="{64ED5D24-8FBA-458C-9868-C5185627A5A5}" type="datetimeFigureOut">
               <a:rPr lang="en-US" smtClean="0"/>
               <a:pPr/>
-              <a:t>4/16/2017</a:t>
+              <a:t>4/17/2017</a:t>
             </a:fld>
             <a:endParaRPr lang="en-US"/>
           </a:p>
@@ -2117,7 +2117,7 @@
             <a:fld id="{64ED5D24-8FBA-458C-9868-C5185627A5A5}" type="datetimeFigureOut">
               <a:rPr lang="en-US" smtClean="0"/>
               <a:pPr/>
-              <a:t>4/16/2017</a:t>
+              <a:t>4/17/2017</a:t>
             </a:fld>
             <a:endParaRPr lang="en-US"/>
           </a:p>
@@ -2232,7 +2232,7 @@
             <a:fld id="{64ED5D24-8FBA-458C-9868-C5185627A5A5}" type="datetimeFigureOut">
               <a:rPr lang="en-US" smtClean="0"/>
               <a:pPr/>
-              <a:t>4/16/2017</a:t>
+              <a:t>4/17/2017</a:t>
             </a:fld>
             <a:endParaRPr lang="en-US"/>
           </a:p>
@@ -2324,7 +2324,7 @@
             <a:fld id="{64ED5D24-8FBA-458C-9868-C5185627A5A5}" type="datetimeFigureOut">
               <a:rPr lang="en-US" smtClean="0"/>
               <a:pPr/>
-              <a:t>4/16/2017</a:t>
+              <a:t>4/17/2017</a:t>
             </a:fld>
             <a:endParaRPr lang="en-US"/>
           </a:p>
@@ -2598,7 +2598,7 @@
             <a:fld id="{64ED5D24-8FBA-458C-9868-C5185627A5A5}" type="datetimeFigureOut">
               <a:rPr lang="en-US" smtClean="0"/>
               <a:pPr/>
-              <a:t>4/16/2017</a:t>
+              <a:t>4/17/2017</a:t>
             </a:fld>
             <a:endParaRPr lang="en-US"/>
           </a:p>
@@ -2848,7 +2848,7 @@
             <a:fld id="{64ED5D24-8FBA-458C-9868-C5185627A5A5}" type="datetimeFigureOut">
               <a:rPr lang="en-US" smtClean="0"/>
               <a:pPr/>
-              <a:t>4/16/2017</a:t>
+              <a:t>4/17/2017</a:t>
             </a:fld>
             <a:endParaRPr lang="en-US"/>
           </a:p>
@@ -3076,7 +3076,7 @@
             <a:fld id="{64ED5D24-8FBA-458C-9868-C5185627A5A5}" type="datetimeFigureOut">
               <a:rPr lang="en-US" smtClean="0"/>
               <a:pPr/>
-              <a:t>4/16/2017</a:t>
+              <a:t>4/17/2017</a:t>
             </a:fld>
             <a:endParaRPr lang="en-US"/>
           </a:p>
@@ -5110,7 +5110,7 @@
           <a:noFill/>
           <a:ln>
             <a:solidFill>
-              <a:srgbClr val="002060"/>
+              <a:srgbClr val="FF0000"/>
             </a:solidFill>
           </a:ln>
         </p:spPr>
@@ -5615,8 +5615,13 @@
           <a:p>
             <a:r>
               <a:rPr lang="en-US" dirty="0" smtClean="0"/>
-              <a:t>      Go To step-1</a:t>
-            </a:r>
+              <a:t>      Go To </a:t>
+            </a:r>
+            <a:r>
+              <a:rPr lang="en-US" dirty="0" smtClean="0"/>
+              <a:t>step   : 1</a:t>
+            </a:r>
+            <a:endParaRPr lang="en-US" dirty="0" smtClean="0"/>
           </a:p>
           <a:p>
             <a:r>
@@ -5632,12 +5637,12 @@
           </a:p>
           <a:p>
             <a:r>
-              <a:rPr lang="en-US" dirty="0" err="1" smtClean="0"/>
-              <a:t>Everytime</a:t>
-            </a:r>
-            <a:r>
-              <a:rPr lang="en-US" dirty="0" smtClean="0"/>
-              <a:t> When a request for allocate  resource to a process, the system will check whether the  allocation will put the system into  a  unsafe mode or not. If it can go into unsafe mode the process has to wait.</a:t>
+              <a:rPr lang="en-US" dirty="0" smtClean="0"/>
+              <a:t>Every time </a:t>
+            </a:r>
+            <a:r>
+              <a:rPr lang="en-US" dirty="0" smtClean="0"/>
+              <a:t>When a request for allocate  resource to a process, the system will check whether the  allocation will put the system into  a  unsafe mode or not. If it can go into unsafe mode the process has to wait.</a:t>
             </a:r>
             <a:endParaRPr lang="en-US" dirty="0"/>
           </a:p>
@@ -5678,7 +5683,12 @@
             <p:ph type="title"/>
           </p:nvPr>
         </p:nvSpPr>
-        <p:spPr/>
+        <p:spPr>
+          <a:xfrm>
+            <a:off x="609600" y="2895600"/>
+            <a:ext cx="8229600" cy="1143000"/>
+          </a:xfrm>
+        </p:spPr>
         <p:txBody>
           <a:bodyPr/>
           <a:lstStyle/>
